--- a/inst/extdata/modeling/diagnostics.pptx
+++ b/inst/extdata/modeling/diagnostics.pptx
@@ -3180,7 +3180,7 @@
             </a:pPr>
             <a:r>
               <a:rPr/>
-              <a:t>05 July, 2022</a:t>
+              <a:t>20 August, 2022</a:t>
             </a:r>
           </a:p>
         </p:txBody>
@@ -3386,14 +3386,14 @@
             </a:pPr>
             <a:r>
               <a:rPr/>
-              <a:t>DV vs IPRED</a:t>
+              <a:t>Observations vs. Individual Predictions</a:t>
             </a:r>
           </a:p>
         </p:txBody>
       </p:sp>
       <p:pic>
         <p:nvPicPr>
-          <p:cNvPr descr="fig:  diagnostics_files/figure-pptx/DV-IPRED-1.png" id="0" name="Picture 1"/>
+          <p:cNvPr descr="fig:  diagnostics_files/figure-pptx/DV-PRED-1.png" id="0" name="Picture 1"/>
           <p:cNvPicPr>
             <a:picLocks noGrp="1" noChangeAspect="1"/>
           </p:cNvPicPr>
@@ -3493,14 +3493,14 @@
             </a:pPr>
             <a:r>
               <a:rPr/>
-              <a:t>DV vs IPRED log-log</a:t>
+              <a:t>DV vs PRED log-log</a:t>
             </a:r>
           </a:p>
         </p:txBody>
       </p:sp>
       <p:pic>
         <p:nvPicPr>
-          <p:cNvPr descr="fig:  diagnostics_files/figure-pptx/DV-IPRED-LOG-1.png" id="0" name="Picture 1"/>
+          <p:cNvPr descr="fig:  diagnostics_files/figure-pptx/DV-PRED-LOG-1.png" id="0" name="Picture 1"/>
           <p:cNvPicPr>
             <a:picLocks noGrp="1" noChangeAspect="1"/>
           </p:cNvPicPr>

--- a/inst/extdata/modeling/diagnostics.pptx
+++ b/inst/extdata/modeling/diagnostics.pptx
@@ -14,6 +14,11 @@
     <p:sldId id="262" r:id="rId8"/>
     <p:sldId id="263" r:id="rId9"/>
     <p:sldId id="264" r:id="rId10"/>
+    <p:sldId id="265" r:id="rId11"/>
+    <p:sldId id="266" r:id="rId12"/>
+    <p:sldId id="267" r:id="rId13"/>
+    <p:sldId id="268" r:id="rId14"/>
+    <p:sldId id="269" r:id="rId15"/>
   </p:sldIdLst>
   <p:sldSz cx="12192000" cy="6858000"/>
   <p:notesSz cx="6858000" cy="9144000"/>
@@ -3180,11 +3185,426 @@
             </a:pPr>
             <a:r>
               <a:rPr/>
-              <a:t>20 August, 2022</a:t>
-            </a:r>
-          </a:p>
-        </p:txBody>
-      </p:sp>
+              <a:t>22 August, 2022</a:t>
+            </a:r>
+          </a:p>
+        </p:txBody>
+      </p:sp>
+    </p:spTree>
+  </p:cSld>
+</p:sld>
+</file>
+
+<file path=ppt/slides/slide10.xml><?xml version="1.0" encoding="utf-8"?>
+<p:sld xmlns:a="http://schemas.openxmlformats.org/drawingml/2006/main" xmlns:r="http://schemas.openxmlformats.org/officeDocument/2006/relationships" xmlns:p="http://schemas.openxmlformats.org/presentationml/2006/main">
+  <p:cSld>
+    <p:spTree>
+      <p:nvGrpSpPr>
+        <p:cNvPr id="1" name=""/>
+        <p:cNvGrpSpPr/>
+        <p:nvPr/>
+      </p:nvGrpSpPr>
+      <p:grpSpPr>
+        <a:xfrm>
+          <a:off x="0" y="0"/>
+          <a:ext cx="0" cy="0"/>
+          <a:chOff x="0" y="0"/>
+          <a:chExt cx="0" cy="0"/>
+        </a:xfrm>
+      </p:grpSpPr>
+      <p:sp>
+        <p:nvSpPr>
+          <p:cNvPr id="2" name="Title 1"/>
+          <p:cNvSpPr>
+            <a:spLocks noGrp="1"/>
+          </p:cNvSpPr>
+          <p:nvPr>
+            <p:ph type="title"/>
+          </p:nvPr>
+        </p:nvSpPr>
+        <p:spPr/>
+        <p:txBody>
+          <a:bodyPr/>
+          <a:lstStyle/>
+          <a:p>
+            <a:pPr lvl="0" indent="0" marL="0">
+              <a:buNone/>
+            </a:pPr>
+            <a:r>
+              <a:rPr/>
+              <a:t>Individual Weighted Residuals vs Time, Untransformed and Log-log</a:t>
+            </a:r>
+          </a:p>
+        </p:txBody>
+      </p:sp>
+      <p:pic>
+        <p:nvPicPr>
+          <p:cNvPr descr="fig:  diagnostics_files/figure-pptx/IWRES-TIME-IWRES-TIME-untrans-log-1.png" id="0" name="Picture 1"/>
+          <p:cNvPicPr>
+            <a:picLocks noGrp="1" noChangeAspect="1"/>
+          </p:cNvPicPr>
+          <p:nvPr/>
+        </p:nvPicPr>
+        <p:blipFill>
+          <a:blip r:embed="rId2"/>
+          <a:stretch>
+            <a:fillRect/>
+          </a:stretch>
+        </p:blipFill>
+        <p:spPr bwMode="auto">
+          <a:xfrm>
+            <a:off x="1930400" y="1600200"/>
+            <a:ext cx="8318500" cy="4013200"/>
+          </a:xfrm>
+          <a:prstGeom prst="rect">
+            <a:avLst/>
+          </a:prstGeom>
+          <a:noFill/>
+          <a:ln w="9525">
+            <a:noFill/>
+            <a:headEnd/>
+            <a:tailEnd/>
+          </a:ln>
+        </p:spPr>
+      </p:pic>
+      <p:sp>
+        <p:nvSpPr>
+          <p:cNvPr id="1" name="TextBox 3"/>
+          <p:cNvSpPr txBox="1"/>
+          <p:nvPr/>
+        </p:nvSpPr>
+        <p:spPr>
+          <a:xfrm>
+            <a:off x="609600" y="5613400"/>
+            <a:ext cx="10972800" cy="508000"/>
+          </a:xfrm>
+          <a:prstGeom prst="rect">
+            <a:avLst/>
+          </a:prstGeom>
+          <a:noFill/>
+        </p:spPr>
+        <p:txBody>
+          <a:bodyPr/>
+          <a:lstStyle/>
+          <a:p>
+            <a:pPr lvl="0" indent="0" marL="0" algn="ctr">
+              <a:buNone/>
+            </a:pPr>
+            <a:r>
+              <a:rPr/>
+              <a:t>x %&gt;% trendpair(IWRES, TIME, IWRES, TIME, trans2 = c(‘identity’, ‘log10’))</a:t>
+            </a:r>
+          </a:p>
+        </p:txBody>
+      </p:sp>
+    </p:spTree>
+  </p:cSld>
+</p:sld>
+</file>
+
+<file path=ppt/slides/slide11.xml><?xml version="1.0" encoding="utf-8"?>
+<p:sld xmlns:a="http://schemas.openxmlformats.org/drawingml/2006/main" xmlns:r="http://schemas.openxmlformats.org/officeDocument/2006/relationships" xmlns:p="http://schemas.openxmlformats.org/presentationml/2006/main">
+  <p:cSld>
+    <p:spTree>
+      <p:nvGrpSpPr>
+        <p:cNvPr id="1" name=""/>
+        <p:cNvGrpSpPr/>
+        <p:nvPr/>
+      </p:nvGrpSpPr>
+      <p:grpSpPr>
+        <a:xfrm>
+          <a:off x="0" y="0"/>
+          <a:ext cx="0" cy="0"/>
+          <a:chOff x="0" y="0"/>
+          <a:chExt cx="0" cy="0"/>
+        </a:xfrm>
+      </p:grpSpPr>
+      <p:sp>
+        <p:nvSpPr>
+          <p:cNvPr id="2" name="Title 1"/>
+          <p:cNvSpPr>
+            <a:spLocks noGrp="1"/>
+          </p:cNvSpPr>
+          <p:nvPr>
+            <p:ph type="title"/>
+          </p:nvPr>
+        </p:nvSpPr>
+        <p:spPr/>
+        <p:txBody>
+          <a:bodyPr/>
+          <a:lstStyle/>
+          <a:p>
+            <a:pPr lvl="0" indent="0" marL="0">
+              <a:buNone/>
+            </a:pPr>
+            <a:r>
+              <a:rPr/>
+              <a:t>Individual Weighted Residuals vs Time, Full Grid vs Horizontal Grid</a:t>
+            </a:r>
+          </a:p>
+        </p:txBody>
+      </p:sp>
+      <p:pic>
+        <p:nvPicPr>
+          <p:cNvPr descr="diagnostics_files/figure-pptx/IWRES-TIME-IWRES-TIME-horizonal-grid-1.png" id="0" name="Picture 1"/>
+          <p:cNvPicPr>
+            <a:picLocks noGrp="1" noChangeAspect="1"/>
+          </p:cNvPicPr>
+          <p:nvPr/>
+        </p:nvPicPr>
+        <p:blipFill>
+          <a:blip r:embed="rId2"/>
+          <a:stretch>
+            <a:fillRect/>
+          </a:stretch>
+        </p:blipFill>
+        <p:spPr bwMode="auto">
+          <a:xfrm>
+            <a:off x="1409700" y="1600200"/>
+            <a:ext cx="9372600" cy="4521200"/>
+          </a:xfrm>
+          <a:prstGeom prst="rect">
+            <a:avLst/>
+          </a:prstGeom>
+          <a:noFill/>
+          <a:ln w="9525">
+            <a:noFill/>
+            <a:headEnd/>
+            <a:tailEnd/>
+          </a:ln>
+        </p:spPr>
+      </p:pic>
+    </p:spTree>
+  </p:cSld>
+</p:sld>
+</file>
+
+<file path=ppt/slides/slide12.xml><?xml version="1.0" encoding="utf-8"?>
+<p:sld xmlns:a="http://schemas.openxmlformats.org/drawingml/2006/main" xmlns:r="http://schemas.openxmlformats.org/officeDocument/2006/relationships" xmlns:p="http://schemas.openxmlformats.org/presentationml/2006/main">
+  <p:cSld>
+    <p:spTree>
+      <p:nvGrpSpPr>
+        <p:cNvPr id="1" name=""/>
+        <p:cNvGrpSpPr/>
+        <p:nvPr/>
+      </p:nvGrpSpPr>
+      <p:grpSpPr>
+        <a:xfrm>
+          <a:off x="0" y="0"/>
+          <a:ext cx="0" cy="0"/>
+          <a:chOff x="0" y="0"/>
+          <a:chExt cx="0" cy="0"/>
+        </a:xfrm>
+      </p:grpSpPr>
+      <p:sp>
+        <p:nvSpPr>
+          <p:cNvPr id="2" name="Title 1"/>
+          <p:cNvSpPr>
+            <a:spLocks noGrp="1"/>
+          </p:cNvSpPr>
+          <p:nvPr>
+            <p:ph type="title"/>
+          </p:nvPr>
+        </p:nvSpPr>
+        <p:spPr/>
+        <p:txBody>
+          <a:bodyPr/>
+          <a:lstStyle/>
+          <a:p>
+            <a:pPr lvl="0" indent="0" marL="0">
+              <a:buNone/>
+            </a:pPr>
+            <a:r>
+              <a:rPr/>
+              <a:t>Individual Weighted Residuals vs Time, Various Horizontal Reference Lines</a:t>
+            </a:r>
+          </a:p>
+        </p:txBody>
+      </p:sp>
+      <p:pic>
+        <p:nvPicPr>
+          <p:cNvPr descr="diagnostics_files/figure-pptx/IWRES-TIME-IWRES-TIME-reference-lines-1.png" id="0" name="Picture 1"/>
+          <p:cNvPicPr>
+            <a:picLocks noGrp="1" noChangeAspect="1"/>
+          </p:cNvPicPr>
+          <p:nvPr/>
+        </p:nvPicPr>
+        <p:blipFill>
+          <a:blip r:embed="rId2"/>
+          <a:stretch>
+            <a:fillRect/>
+          </a:stretch>
+        </p:blipFill>
+        <p:spPr bwMode="auto">
+          <a:xfrm>
+            <a:off x="1409700" y="1600200"/>
+            <a:ext cx="9372600" cy="4521200"/>
+          </a:xfrm>
+          <a:prstGeom prst="rect">
+            <a:avLst/>
+          </a:prstGeom>
+          <a:noFill/>
+          <a:ln w="9525">
+            <a:noFill/>
+            <a:headEnd/>
+            <a:tailEnd/>
+          </a:ln>
+        </p:spPr>
+      </p:pic>
+    </p:spTree>
+  </p:cSld>
+</p:sld>
+</file>
+
+<file path=ppt/slides/slide13.xml><?xml version="1.0" encoding="utf-8"?>
+<p:sld xmlns:a="http://schemas.openxmlformats.org/drawingml/2006/main" xmlns:r="http://schemas.openxmlformats.org/officeDocument/2006/relationships" xmlns:p="http://schemas.openxmlformats.org/presentationml/2006/main">
+  <p:cSld>
+    <p:spTree>
+      <p:nvGrpSpPr>
+        <p:cNvPr id="1" name=""/>
+        <p:cNvGrpSpPr/>
+        <p:nvPr/>
+      </p:nvGrpSpPr>
+      <p:grpSpPr>
+        <a:xfrm>
+          <a:off x="0" y="0"/>
+          <a:ext cx="0" cy="0"/>
+          <a:chOff x="0" y="0"/>
+          <a:chExt cx="0" cy="0"/>
+        </a:xfrm>
+      </p:grpSpPr>
+      <p:sp>
+        <p:nvSpPr>
+          <p:cNvPr id="2" name="Title 1"/>
+          <p:cNvSpPr>
+            <a:spLocks noGrp="1"/>
+          </p:cNvSpPr>
+          <p:nvPr>
+            <p:ph type="title"/>
+          </p:nvPr>
+        </p:nvSpPr>
+        <p:spPr/>
+        <p:txBody>
+          <a:bodyPr/>
+          <a:lstStyle/>
+          <a:p>
+            <a:pPr lvl="0" indent="0" marL="0">
+              <a:buNone/>
+            </a:pPr>
+            <a:r>
+              <a:rPr/>
+              <a:t>Individual Plots</a:t>
+            </a:r>
+          </a:p>
+        </p:txBody>
+      </p:sp>
+      <p:pic>
+        <p:nvPicPr>
+          <p:cNvPr descr="diagnostics_files/figure-pptx/individuals-1.png" id="0" name="Picture 1"/>
+          <p:cNvPicPr>
+            <a:picLocks noGrp="1" noChangeAspect="1"/>
+          </p:cNvPicPr>
+          <p:nvPr/>
+        </p:nvPicPr>
+        <p:blipFill>
+          <a:blip r:embed="rId2"/>
+          <a:stretch>
+            <a:fillRect/>
+          </a:stretch>
+        </p:blipFill>
+        <p:spPr bwMode="auto">
+          <a:xfrm>
+            <a:off x="3200400" y="1600200"/>
+            <a:ext cx="5803900" cy="4521200"/>
+          </a:xfrm>
+          <a:prstGeom prst="rect">
+            <a:avLst/>
+          </a:prstGeom>
+          <a:noFill/>
+          <a:ln w="9525">
+            <a:noFill/>
+            <a:headEnd/>
+            <a:tailEnd/>
+          </a:ln>
+        </p:spPr>
+      </p:pic>
+    </p:spTree>
+  </p:cSld>
+</p:sld>
+</file>
+
+<file path=ppt/slides/slide14.xml><?xml version="1.0" encoding="utf-8"?>
+<p:sld xmlns:a="http://schemas.openxmlformats.org/drawingml/2006/main" xmlns:r="http://schemas.openxmlformats.org/officeDocument/2006/relationships" xmlns:p="http://schemas.openxmlformats.org/presentationml/2006/main">
+  <p:cSld>
+    <p:spTree>
+      <p:nvGrpSpPr>
+        <p:cNvPr id="1" name=""/>
+        <p:cNvGrpSpPr/>
+        <p:nvPr/>
+      </p:nvGrpSpPr>
+      <p:grpSpPr>
+        <a:xfrm>
+          <a:off x="0" y="0"/>
+          <a:ext cx="0" cy="0"/>
+          <a:chOff x="0" y="0"/>
+          <a:chExt cx="0" cy="0"/>
+        </a:xfrm>
+      </p:grpSpPr>
+      <p:sp>
+        <p:nvSpPr>
+          <p:cNvPr id="2" name="Title 1"/>
+          <p:cNvSpPr>
+            <a:spLocks noGrp="1"/>
+          </p:cNvSpPr>
+          <p:nvPr>
+            <p:ph type="title"/>
+          </p:nvPr>
+        </p:nvSpPr>
+        <p:spPr/>
+        <p:txBody>
+          <a:bodyPr/>
+          <a:lstStyle/>
+          <a:p>
+            <a:pPr lvl="0" indent="0" marL="0">
+              <a:buNone/>
+            </a:pPr>
+            <a:r>
+              <a:rPr/>
+              <a:t>Individual Plots – Detailed Panel Strip</a:t>
+            </a:r>
+          </a:p>
+        </p:txBody>
+      </p:sp>
+      <p:pic>
+        <p:nvPicPr>
+          <p:cNvPr descr="diagnostics_files/figure-pptx/individuals-detail-1.png" id="0" name="Picture 1"/>
+          <p:cNvPicPr>
+            <a:picLocks noGrp="1" noChangeAspect="1"/>
+          </p:cNvPicPr>
+          <p:nvPr/>
+        </p:nvPicPr>
+        <p:blipFill>
+          <a:blip r:embed="rId2"/>
+          <a:stretch>
+            <a:fillRect/>
+          </a:stretch>
+        </p:blipFill>
+        <p:spPr bwMode="auto">
+          <a:xfrm>
+            <a:off x="2501900" y="1600200"/>
+            <a:ext cx="7175500" cy="4521200"/>
+          </a:xfrm>
+          <a:prstGeom prst="rect">
+            <a:avLst/>
+          </a:prstGeom>
+          <a:noFill/>
+          <a:ln w="9525">
+            <a:noFill/>
+            <a:headEnd/>
+            <a:tailEnd/>
+          </a:ln>
+        </p:spPr>
+      </p:pic>
     </p:spTree>
   </p:cSld>
 </p:sld>
@@ -3279,7 +3699,7 @@
             </a:pPr>
             <a:r>
               <a:rPr/>
-              <a:t>DV vs IPRED by ACTARM per VISIT</a:t>
+              <a:t>Observations vs Individual Predictions by Arm, per Visit</a:t>
             </a:r>
           </a:p>
         </p:txBody>
@@ -3386,7 +3806,7 @@
             </a:pPr>
             <a:r>
               <a:rPr/>
-              <a:t>Observations vs. Individual Predictions</a:t>
+              <a:t>Observations vs Individual Predictions</a:t>
             </a:r>
           </a:p>
         </p:txBody>
@@ -3493,7 +3913,114 @@
             </a:pPr>
             <a:r>
               <a:rPr/>
-              <a:t>DV vs PRED log-log</a:t>
+              <a:t>Observations vs Individual Predictions, With/without Grids</a:t>
+            </a:r>
+          </a:p>
+        </p:txBody>
+      </p:sp>
+      <p:pic>
+        <p:nvPicPr>
+          <p:cNvPr descr="fig:  diagnostics_files/figure-pptx/DV-PRED-grids-1.png" id="0" name="Picture 1"/>
+          <p:cNvPicPr>
+            <a:picLocks noGrp="1" noChangeAspect="1"/>
+          </p:cNvPicPr>
+          <p:nvPr/>
+        </p:nvPicPr>
+        <p:blipFill>
+          <a:blip r:embed="rId2"/>
+          <a:stretch>
+            <a:fillRect/>
+          </a:stretch>
+        </p:blipFill>
+        <p:spPr bwMode="auto">
+          <a:xfrm>
+            <a:off x="1930400" y="1600200"/>
+            <a:ext cx="8318500" cy="4013200"/>
+          </a:xfrm>
+          <a:prstGeom prst="rect">
+            <a:avLst/>
+          </a:prstGeom>
+          <a:noFill/>
+          <a:ln w="9525">
+            <a:noFill/>
+            <a:headEnd/>
+            <a:tailEnd/>
+          </a:ln>
+        </p:spPr>
+      </p:pic>
+      <p:sp>
+        <p:nvSpPr>
+          <p:cNvPr id="1" name="TextBox 3"/>
+          <p:cNvSpPr txBox="1"/>
+          <p:nvPr/>
+        </p:nvSpPr>
+        <p:spPr>
+          <a:xfrm>
+            <a:off x="609600" y="5613400"/>
+            <a:ext cx="10972800" cy="508000"/>
+          </a:xfrm>
+          <a:prstGeom prst="rect">
+            <a:avLst/>
+          </a:prstGeom>
+          <a:noFill/>
+        </p:spPr>
+        <p:txBody>
+          <a:bodyPr/>
+          <a:lstStyle/>
+          <a:p>
+            <a:pPr lvl="0" indent="0" marL="0" algn="ctr">
+              <a:buNone/>
+            </a:pPr>
+            <a:r>
+              <a:rPr/>
+              <a:t>x %&gt;% isoplot(DV, PRED)</a:t>
+            </a:r>
+          </a:p>
+        </p:txBody>
+      </p:sp>
+    </p:spTree>
+  </p:cSld>
+</p:sld>
+</file>
+
+<file path=ppt/slides/slide6.xml><?xml version="1.0" encoding="utf-8"?>
+<p:sld xmlns:a="http://schemas.openxmlformats.org/drawingml/2006/main" xmlns:r="http://schemas.openxmlformats.org/officeDocument/2006/relationships" xmlns:p="http://schemas.openxmlformats.org/presentationml/2006/main">
+  <p:cSld>
+    <p:spTree>
+      <p:nvGrpSpPr>
+        <p:cNvPr id="1" name=""/>
+        <p:cNvGrpSpPr/>
+        <p:nvPr/>
+      </p:nvGrpSpPr>
+      <p:grpSpPr>
+        <a:xfrm>
+          <a:off x="0" y="0"/>
+          <a:ext cx="0" cy="0"/>
+          <a:chOff x="0" y="0"/>
+          <a:chExt cx="0" cy="0"/>
+        </a:xfrm>
+      </p:grpSpPr>
+      <p:sp>
+        <p:nvSpPr>
+          <p:cNvPr id="2" name="Title 1"/>
+          <p:cNvSpPr>
+            <a:spLocks noGrp="1"/>
+          </p:cNvSpPr>
+          <p:nvPr>
+            <p:ph type="title"/>
+          </p:nvPr>
+        </p:nvSpPr>
+        <p:spPr/>
+        <p:txBody>
+          <a:bodyPr/>
+          <a:lstStyle/>
+          <a:p>
+            <a:pPr lvl="0" indent="0" marL="0">
+              <a:buNone/>
+            </a:pPr>
+            <a:r>
+              <a:rPr/>
+              <a:t>Observations vs Population Predictions, Log-log</a:t>
             </a:r>
           </a:p>
         </p:txBody>
@@ -3563,7 +4090,7 @@
 </p:sld>
 </file>
 
-<file path=ppt/slides/slide6.xml><?xml version="1.0" encoding="utf-8"?>
+<file path=ppt/slides/slide7.xml><?xml version="1.0" encoding="utf-8"?>
 <p:sld xmlns:a="http://schemas.openxmlformats.org/drawingml/2006/main" xmlns:r="http://schemas.openxmlformats.org/officeDocument/2006/relationships" xmlns:p="http://schemas.openxmlformats.org/presentationml/2006/main">
   <p:cSld>
     <p:spTree>
@@ -3600,7 +4127,7 @@
             </a:pPr>
             <a:r>
               <a:rPr/>
-              <a:t>DV vs PRED and IPRED</a:t>
+              <a:t>Observations vs Population and Individual Predictions</a:t>
             </a:r>
           </a:p>
         </p:txBody>
@@ -3670,7 +4197,7 @@
 </p:sld>
 </file>
 
-<file path=ppt/slides/slide7.xml><?xml version="1.0" encoding="utf-8"?>
+<file path=ppt/slides/slide8.xml><?xml version="1.0" encoding="utf-8"?>
 <p:sld xmlns:a="http://schemas.openxmlformats.org/drawingml/2006/main" xmlns:r="http://schemas.openxmlformats.org/officeDocument/2006/relationships" xmlns:p="http://schemas.openxmlformats.org/presentationml/2006/main">
   <p:cSld>
     <p:spTree>
@@ -3707,7 +4234,7 @@
             </a:pPr>
             <a:r>
               <a:rPr/>
-              <a:t>DV vs IPRED, untransformed and log-log</a:t>
+              <a:t>Observations vs Individual Predictions, Untransformed and Log-log</a:t>
             </a:r>
           </a:p>
         </p:txBody>
@@ -3777,7 +4304,7 @@
 </p:sld>
 </file>
 
-<file path=ppt/slides/slide8.xml><?xml version="1.0" encoding="utf-8"?>
+<file path=ppt/slides/slide9.xml><?xml version="1.0" encoding="utf-8"?>
 <p:sld xmlns:a="http://schemas.openxmlformats.org/drawingml/2006/main" xmlns:r="http://schemas.openxmlformats.org/officeDocument/2006/relationships" xmlns:p="http://schemas.openxmlformats.org/presentationml/2006/main">
   <p:cSld>
     <p:spTree>
@@ -3814,7 +4341,7 @@
             </a:pPr>
             <a:r>
               <a:rPr/>
-              <a:t>IWRES vs TIME</a:t>
+              <a:t>Individual Weighted Residuals vs Time</a:t>
             </a:r>
           </a:p>
         </p:txBody>
@@ -3875,113 +4402,6 @@
             <a:r>
               <a:rPr/>
               <a:t>x %&gt;% trendplot(IWRES, TIME)</a:t>
-            </a:r>
-          </a:p>
-        </p:txBody>
-      </p:sp>
-    </p:spTree>
-  </p:cSld>
-</p:sld>
-</file>
-
-<file path=ppt/slides/slide9.xml><?xml version="1.0" encoding="utf-8"?>
-<p:sld xmlns:a="http://schemas.openxmlformats.org/drawingml/2006/main" xmlns:r="http://schemas.openxmlformats.org/officeDocument/2006/relationships" xmlns:p="http://schemas.openxmlformats.org/presentationml/2006/main">
-  <p:cSld>
-    <p:spTree>
-      <p:nvGrpSpPr>
-        <p:cNvPr id="1" name=""/>
-        <p:cNvGrpSpPr/>
-        <p:nvPr/>
-      </p:nvGrpSpPr>
-      <p:grpSpPr>
-        <a:xfrm>
-          <a:off x="0" y="0"/>
-          <a:ext cx="0" cy="0"/>
-          <a:chOff x="0" y="0"/>
-          <a:chExt cx="0" cy="0"/>
-        </a:xfrm>
-      </p:grpSpPr>
-      <p:sp>
-        <p:nvSpPr>
-          <p:cNvPr id="2" name="Title 1"/>
-          <p:cNvSpPr>
-            <a:spLocks noGrp="1"/>
-          </p:cNvSpPr>
-          <p:nvPr>
-            <p:ph type="title"/>
-          </p:nvPr>
-        </p:nvSpPr>
-        <p:spPr/>
-        <p:txBody>
-          <a:bodyPr/>
-          <a:lstStyle/>
-          <a:p>
-            <a:pPr lvl="0" indent="0" marL="0">
-              <a:buNone/>
-            </a:pPr>
-            <a:r>
-              <a:rPr/>
-              <a:t>IWRES vs TIME, untransformed and log-log</a:t>
-            </a:r>
-          </a:p>
-        </p:txBody>
-      </p:sp>
-      <p:pic>
-        <p:nvPicPr>
-          <p:cNvPr descr="fig:  diagnostics_files/figure-pptx/IWRES-TIME-IWRES-TIME-untrans-log-1.png" id="0" name="Picture 1"/>
-          <p:cNvPicPr>
-            <a:picLocks noGrp="1" noChangeAspect="1"/>
-          </p:cNvPicPr>
-          <p:nvPr/>
-        </p:nvPicPr>
-        <p:blipFill>
-          <a:blip r:embed="rId2"/>
-          <a:stretch>
-            <a:fillRect/>
-          </a:stretch>
-        </p:blipFill>
-        <p:spPr bwMode="auto">
-          <a:xfrm>
-            <a:off x="1930400" y="1600200"/>
-            <a:ext cx="8318500" cy="4013200"/>
-          </a:xfrm>
-          <a:prstGeom prst="rect">
-            <a:avLst/>
-          </a:prstGeom>
-          <a:noFill/>
-          <a:ln w="9525">
-            <a:noFill/>
-            <a:headEnd/>
-            <a:tailEnd/>
-          </a:ln>
-        </p:spPr>
-      </p:pic>
-      <p:sp>
-        <p:nvSpPr>
-          <p:cNvPr id="1" name="TextBox 3"/>
-          <p:cNvSpPr txBox="1"/>
-          <p:nvPr/>
-        </p:nvSpPr>
-        <p:spPr>
-          <a:xfrm>
-            <a:off x="609600" y="5613400"/>
-            <a:ext cx="10972800" cy="508000"/>
-          </a:xfrm>
-          <a:prstGeom prst="rect">
-            <a:avLst/>
-          </a:prstGeom>
-          <a:noFill/>
-        </p:spPr>
-        <p:txBody>
-          <a:bodyPr/>
-          <a:lstStyle/>
-          <a:p>
-            <a:pPr lvl="0" indent="0" marL="0" algn="ctr">
-              <a:buNone/>
-            </a:pPr>
-            <a:r>
-              <a:rPr/>
-              <a:t>x %&gt;% trendpair(IWRES, TIME, IWRES, TIME, trans2 = c(‘identity’, ‘log10’))</a:t>
             </a:r>
           </a:p>
         </p:txBody>

--- a/inst/extdata/modeling/diagnostics.pptx
+++ b/inst/extdata/modeling/diagnostics.pptx
@@ -3185,7 +3185,7 @@
             </a:pPr>
             <a:r>
               <a:rPr/>
-              <a:t>22 August, 2022</a:t>
+              <a:t>23 August, 2022</a:t>
             </a:r>
           </a:p>
         </p:txBody>
@@ -3292,7 +3292,7 @@
             </a:pPr>
             <a:r>
               <a:rPr/>
-              <a:t>x %&gt;% trendpair(IWRES, TIME, IWRES, TIME, trans2 = c(‘identity’, ‘log10’))</a:t>
+              <a:t>x %&gt;% trendpair(IWRES, TIME, IWRES, TIME, trans2 = c(‘identity’, ‘log10’), symmetric = TRUE)</a:t>
             </a:r>
           </a:p>
         </p:txBody>
@@ -4401,7 +4401,7 @@
             </a:pPr>
             <a:r>
               <a:rPr/>
-              <a:t>x %&gt;% trendplot(IWRES, TIME)</a:t>
+              <a:t>x %&gt;% trendplot(IWRES, TIME) + symmetric()</a:t>
             </a:r>
           </a:p>
         </p:txBody>

--- a/inst/extdata/modeling/diagnostics.pptx
+++ b/inst/extdata/modeling/diagnostics.pptx
@@ -3185,7 +3185,7 @@
             </a:pPr>
             <a:r>
               <a:rPr/>
-              <a:t>23 August, 2022</a:t>
+              <a:t>24 August, 2022</a:t>
             </a:r>
           </a:p>
         </p:txBody>

--- a/inst/extdata/modeling/diagnostics.pptx
+++ b/inst/extdata/modeling/diagnostics.pptx
@@ -3185,7 +3185,7 @@
             </a:pPr>
             <a:r>
               <a:rPr/>
-              <a:t>24 August, 2022</a:t>
+              <a:t>26 August, 2022</a:t>
             </a:r>
           </a:p>
         </p:txBody>

--- a/inst/extdata/modeling/diagnostics.pptx
+++ b/inst/extdata/modeling/diagnostics.pptx
@@ -3720,8 +3720,8 @@
         </p:blipFill>
         <p:spPr bwMode="auto">
           <a:xfrm>
-            <a:off x="1574800" y="1600200"/>
-            <a:ext cx="9042400" cy="4013200"/>
+            <a:off x="2247900" y="1600200"/>
+            <a:ext cx="7696200" cy="4013200"/>
           </a:xfrm>
           <a:prstGeom prst="rect">
             <a:avLst/>

--- a/inst/extdata/modeling/diagnostics.pptx
+++ b/inst/extdata/modeling/diagnostics.pptx
@@ -19,6 +19,7 @@
     <p:sldId id="267" r:id="rId13"/>
     <p:sldId id="268" r:id="rId14"/>
     <p:sldId id="269" r:id="rId15"/>
+    <p:sldId id="270" r:id="rId16"/>
   </p:sldIdLst>
   <p:sldSz cx="12192000" cy="6858000"/>
   <p:notesSz cx="6858000" cy="9144000"/>
@@ -3232,6 +3233,113 @@
             </a:pPr>
             <a:r>
               <a:rPr/>
+              <a:t>Individual Weighted Residuals vs Time</a:t>
+            </a:r>
+          </a:p>
+        </p:txBody>
+      </p:sp>
+      <p:pic>
+        <p:nvPicPr>
+          <p:cNvPr descr="fig:  diagnostics_files/figure-pptx/IWRES-TIME-1.png" id="0" name="Picture 1"/>
+          <p:cNvPicPr>
+            <a:picLocks noGrp="1" noChangeAspect="1"/>
+          </p:cNvPicPr>
+          <p:nvPr/>
+        </p:nvPicPr>
+        <p:blipFill>
+          <a:blip r:embed="rId2"/>
+          <a:stretch>
+            <a:fillRect/>
+          </a:stretch>
+        </p:blipFill>
+        <p:spPr bwMode="auto">
+          <a:xfrm>
+            <a:off x="4013200" y="1600200"/>
+            <a:ext cx="4165600" cy="4013200"/>
+          </a:xfrm>
+          <a:prstGeom prst="rect">
+            <a:avLst/>
+          </a:prstGeom>
+          <a:noFill/>
+          <a:ln w="9525">
+            <a:noFill/>
+            <a:headEnd/>
+            <a:tailEnd/>
+          </a:ln>
+        </p:spPr>
+      </p:pic>
+      <p:sp>
+        <p:nvSpPr>
+          <p:cNvPr id="1" name="TextBox 3"/>
+          <p:cNvSpPr txBox="1"/>
+          <p:nvPr/>
+        </p:nvSpPr>
+        <p:spPr>
+          <a:xfrm>
+            <a:off x="609600" y="5613400"/>
+            <a:ext cx="10972800" cy="508000"/>
+          </a:xfrm>
+          <a:prstGeom prst="rect">
+            <a:avLst/>
+          </a:prstGeom>
+          <a:noFill/>
+        </p:spPr>
+        <p:txBody>
+          <a:bodyPr/>
+          <a:lstStyle/>
+          <a:p>
+            <a:pPr lvl="0" indent="0" marL="0" algn="ctr">
+              <a:buNone/>
+            </a:pPr>
+            <a:r>
+              <a:rPr/>
+              <a:t>x %&gt;% trendplot(IWRES, TIME) + symmetric()</a:t>
+            </a:r>
+          </a:p>
+        </p:txBody>
+      </p:sp>
+    </p:spTree>
+  </p:cSld>
+</p:sld>
+</file>
+
+<file path=ppt/slides/slide11.xml><?xml version="1.0" encoding="utf-8"?>
+<p:sld xmlns:a="http://schemas.openxmlformats.org/drawingml/2006/main" xmlns:r="http://schemas.openxmlformats.org/officeDocument/2006/relationships" xmlns:p="http://schemas.openxmlformats.org/presentationml/2006/main">
+  <p:cSld>
+    <p:spTree>
+      <p:nvGrpSpPr>
+        <p:cNvPr id="1" name=""/>
+        <p:cNvGrpSpPr/>
+        <p:nvPr/>
+      </p:nvGrpSpPr>
+      <p:grpSpPr>
+        <a:xfrm>
+          <a:off x="0" y="0"/>
+          <a:ext cx="0" cy="0"/>
+          <a:chOff x="0" y="0"/>
+          <a:chExt cx="0" cy="0"/>
+        </a:xfrm>
+      </p:grpSpPr>
+      <p:sp>
+        <p:nvSpPr>
+          <p:cNvPr id="2" name="Title 1"/>
+          <p:cNvSpPr>
+            <a:spLocks noGrp="1"/>
+          </p:cNvSpPr>
+          <p:nvPr>
+            <p:ph type="title"/>
+          </p:nvPr>
+        </p:nvSpPr>
+        <p:spPr/>
+        <p:txBody>
+          <a:bodyPr/>
+          <a:lstStyle/>
+          <a:p>
+            <a:pPr lvl="0" indent="0" marL="0">
+              <a:buNone/>
+            </a:pPr>
+            <a:r>
+              <a:rPr/>
               <a:t>Individual Weighted Residuals vs Time, Untransformed and Log-log</a:t>
             </a:r>
           </a:p>
@@ -3302,83 +3410,6 @@
 </p:sld>
 </file>
 
-<file path=ppt/slides/slide11.xml><?xml version="1.0" encoding="utf-8"?>
-<p:sld xmlns:a="http://schemas.openxmlformats.org/drawingml/2006/main" xmlns:r="http://schemas.openxmlformats.org/officeDocument/2006/relationships" xmlns:p="http://schemas.openxmlformats.org/presentationml/2006/main">
-  <p:cSld>
-    <p:spTree>
-      <p:nvGrpSpPr>
-        <p:cNvPr id="1" name=""/>
-        <p:cNvGrpSpPr/>
-        <p:nvPr/>
-      </p:nvGrpSpPr>
-      <p:grpSpPr>
-        <a:xfrm>
-          <a:off x="0" y="0"/>
-          <a:ext cx="0" cy="0"/>
-          <a:chOff x="0" y="0"/>
-          <a:chExt cx="0" cy="0"/>
-        </a:xfrm>
-      </p:grpSpPr>
-      <p:sp>
-        <p:nvSpPr>
-          <p:cNvPr id="2" name="Title 1"/>
-          <p:cNvSpPr>
-            <a:spLocks noGrp="1"/>
-          </p:cNvSpPr>
-          <p:nvPr>
-            <p:ph type="title"/>
-          </p:nvPr>
-        </p:nvSpPr>
-        <p:spPr/>
-        <p:txBody>
-          <a:bodyPr/>
-          <a:lstStyle/>
-          <a:p>
-            <a:pPr lvl="0" indent="0" marL="0">
-              <a:buNone/>
-            </a:pPr>
-            <a:r>
-              <a:rPr/>
-              <a:t>Individual Weighted Residuals vs Time, Full Grid vs Horizontal Grid</a:t>
-            </a:r>
-          </a:p>
-        </p:txBody>
-      </p:sp>
-      <p:pic>
-        <p:nvPicPr>
-          <p:cNvPr descr="diagnostics_files/figure-pptx/IWRES-TIME-IWRES-TIME-horizonal-grid-1.png" id="0" name="Picture 1"/>
-          <p:cNvPicPr>
-            <a:picLocks noGrp="1" noChangeAspect="1"/>
-          </p:cNvPicPr>
-          <p:nvPr/>
-        </p:nvPicPr>
-        <p:blipFill>
-          <a:blip r:embed="rId2"/>
-          <a:stretch>
-            <a:fillRect/>
-          </a:stretch>
-        </p:blipFill>
-        <p:spPr bwMode="auto">
-          <a:xfrm>
-            <a:off x="1409700" y="1600200"/>
-            <a:ext cx="9372600" cy="4521200"/>
-          </a:xfrm>
-          <a:prstGeom prst="rect">
-            <a:avLst/>
-          </a:prstGeom>
-          <a:noFill/>
-          <a:ln w="9525">
-            <a:noFill/>
-            <a:headEnd/>
-            <a:tailEnd/>
-          </a:ln>
-        </p:spPr>
-      </p:pic>
-    </p:spTree>
-  </p:cSld>
-</p:sld>
-</file>
-
 <file path=ppt/slides/slide12.xml><?xml version="1.0" encoding="utf-8"?>
 <p:sld xmlns:a="http://schemas.openxmlformats.org/drawingml/2006/main" xmlns:r="http://schemas.openxmlformats.org/officeDocument/2006/relationships" xmlns:p="http://schemas.openxmlformats.org/presentationml/2006/main">
   <p:cSld>
@@ -3416,14 +3447,14 @@
             </a:pPr>
             <a:r>
               <a:rPr/>
-              <a:t>Individual Weighted Residuals vs Time, Various Horizontal Reference Lines</a:t>
+              <a:t>Individual Weighted Residuals vs Time, Full Grid vs Horizontal Grid</a:t>
             </a:r>
           </a:p>
         </p:txBody>
       </p:sp>
       <p:pic>
         <p:nvPicPr>
-          <p:cNvPr descr="diagnostics_files/figure-pptx/IWRES-TIME-IWRES-TIME-reference-lines-1.png" id="0" name="Picture 1"/>
+          <p:cNvPr descr="diagnostics_files/figure-pptx/IWRES-TIME-IWRES-TIME-horizonal-grid-1.png" id="0" name="Picture 1"/>
           <p:cNvPicPr>
             <a:picLocks noGrp="1" noChangeAspect="1"/>
           </p:cNvPicPr>
@@ -3493,6 +3524,83 @@
             </a:pPr>
             <a:r>
               <a:rPr/>
+              <a:t>Individual Weighted Residuals vs Time, Various Horizontal Reference Lines</a:t>
+            </a:r>
+          </a:p>
+        </p:txBody>
+      </p:sp>
+      <p:pic>
+        <p:nvPicPr>
+          <p:cNvPr descr="diagnostics_files/figure-pptx/IWRES-TIME-IWRES-TIME-reference-lines-1.png" id="0" name="Picture 1"/>
+          <p:cNvPicPr>
+            <a:picLocks noGrp="1" noChangeAspect="1"/>
+          </p:cNvPicPr>
+          <p:nvPr/>
+        </p:nvPicPr>
+        <p:blipFill>
+          <a:blip r:embed="rId2"/>
+          <a:stretch>
+            <a:fillRect/>
+          </a:stretch>
+        </p:blipFill>
+        <p:spPr bwMode="auto">
+          <a:xfrm>
+            <a:off x="1409700" y="1600200"/>
+            <a:ext cx="9372600" cy="4521200"/>
+          </a:xfrm>
+          <a:prstGeom prst="rect">
+            <a:avLst/>
+          </a:prstGeom>
+          <a:noFill/>
+          <a:ln w="9525">
+            <a:noFill/>
+            <a:headEnd/>
+            <a:tailEnd/>
+          </a:ln>
+        </p:spPr>
+      </p:pic>
+    </p:spTree>
+  </p:cSld>
+</p:sld>
+</file>
+
+<file path=ppt/slides/slide14.xml><?xml version="1.0" encoding="utf-8"?>
+<p:sld xmlns:a="http://schemas.openxmlformats.org/drawingml/2006/main" xmlns:r="http://schemas.openxmlformats.org/officeDocument/2006/relationships" xmlns:p="http://schemas.openxmlformats.org/presentationml/2006/main">
+  <p:cSld>
+    <p:spTree>
+      <p:nvGrpSpPr>
+        <p:cNvPr id="1" name=""/>
+        <p:cNvGrpSpPr/>
+        <p:nvPr/>
+      </p:nvGrpSpPr>
+      <p:grpSpPr>
+        <a:xfrm>
+          <a:off x="0" y="0"/>
+          <a:ext cx="0" cy="0"/>
+          <a:chOff x="0" y="0"/>
+          <a:chExt cx="0" cy="0"/>
+        </a:xfrm>
+      </p:grpSpPr>
+      <p:sp>
+        <p:nvSpPr>
+          <p:cNvPr id="2" name="Title 1"/>
+          <p:cNvSpPr>
+            <a:spLocks noGrp="1"/>
+          </p:cNvSpPr>
+          <p:nvPr>
+            <p:ph type="title"/>
+          </p:nvPr>
+        </p:nvSpPr>
+        <p:spPr/>
+        <p:txBody>
+          <a:bodyPr/>
+          <a:lstStyle/>
+          <a:p>
+            <a:pPr lvl="0" indent="0" marL="0">
+              <a:buNone/>
+            </a:pPr>
+            <a:r>
+              <a:rPr/>
               <a:t>Individual Plots</a:t>
             </a:r>
           </a:p>
@@ -3533,7 +3641,7 @@
 </p:sld>
 </file>
 
-<file path=ppt/slides/slide14.xml><?xml version="1.0" encoding="utf-8"?>
+<file path=ppt/slides/slide15.xml><?xml version="1.0" encoding="utf-8"?>
 <p:sld xmlns:a="http://schemas.openxmlformats.org/drawingml/2006/main" xmlns:r="http://schemas.openxmlformats.org/officeDocument/2006/relationships" xmlns:p="http://schemas.openxmlformats.org/presentationml/2006/main">
   <p:cSld>
     <p:spTree>
@@ -3806,6 +3914,113 @@
             </a:pPr>
             <a:r>
               <a:rPr/>
+              <a:t>Observations vs Individual Predictions by Arm and Visit, and for scales = ‘free’</a:t>
+            </a:r>
+          </a:p>
+        </p:txBody>
+      </p:sp>
+      <p:pic>
+        <p:nvPicPr>
+          <p:cNvPr descr="fig:  diagnostics_files/figure-pptx/DV-IPRED-ACTARM-VISIT-GRID-1.png" id="0" name="Picture 1"/>
+          <p:cNvPicPr>
+            <a:picLocks noGrp="1" noChangeAspect="1"/>
+          </p:cNvPicPr>
+          <p:nvPr/>
+        </p:nvPicPr>
+        <p:blipFill>
+          <a:blip r:embed="rId2"/>
+          <a:stretch>
+            <a:fillRect/>
+          </a:stretch>
+        </p:blipFill>
+        <p:spPr bwMode="auto">
+          <a:xfrm>
+            <a:off x="609600" y="1663700"/>
+            <a:ext cx="10972800" cy="3873500"/>
+          </a:xfrm>
+          <a:prstGeom prst="rect">
+            <a:avLst/>
+          </a:prstGeom>
+          <a:noFill/>
+          <a:ln w="9525">
+            <a:noFill/>
+            <a:headEnd/>
+            <a:tailEnd/>
+          </a:ln>
+        </p:spPr>
+      </p:pic>
+      <p:sp>
+        <p:nvSpPr>
+          <p:cNvPr id="1" name="TextBox 3"/>
+          <p:cNvSpPr txBox="1"/>
+          <p:nvPr/>
+        </p:nvSpPr>
+        <p:spPr>
+          <a:xfrm>
+            <a:off x="609600" y="5613400"/>
+            <a:ext cx="10972800" cy="508000"/>
+          </a:xfrm>
+          <a:prstGeom prst="rect">
+            <a:avLst/>
+          </a:prstGeom>
+          <a:noFill/>
+        </p:spPr>
+        <p:txBody>
+          <a:bodyPr/>
+          <a:lstStyle/>
+          <a:p>
+            <a:pPr lvl="0" indent="0" marL="0" algn="ctr">
+              <a:buNone/>
+            </a:pPr>
+            <a:r>
+              <a:rPr/>
+              <a:t>DV-IPRED-ACTARM-VISIT-GRID.png</a:t>
+            </a:r>
+          </a:p>
+        </p:txBody>
+      </p:sp>
+    </p:spTree>
+  </p:cSld>
+</p:sld>
+</file>
+
+<file path=ppt/slides/slide5.xml><?xml version="1.0" encoding="utf-8"?>
+<p:sld xmlns:a="http://schemas.openxmlformats.org/drawingml/2006/main" xmlns:r="http://schemas.openxmlformats.org/officeDocument/2006/relationships" xmlns:p="http://schemas.openxmlformats.org/presentationml/2006/main">
+  <p:cSld>
+    <p:spTree>
+      <p:nvGrpSpPr>
+        <p:cNvPr id="1" name=""/>
+        <p:cNvGrpSpPr/>
+        <p:nvPr/>
+      </p:nvGrpSpPr>
+      <p:grpSpPr>
+        <a:xfrm>
+          <a:off x="0" y="0"/>
+          <a:ext cx="0" cy="0"/>
+          <a:chOff x="0" y="0"/>
+          <a:chExt cx="0" cy="0"/>
+        </a:xfrm>
+      </p:grpSpPr>
+      <p:sp>
+        <p:nvSpPr>
+          <p:cNvPr id="2" name="Title 1"/>
+          <p:cNvSpPr>
+            <a:spLocks noGrp="1"/>
+          </p:cNvSpPr>
+          <p:nvPr>
+            <p:ph type="title"/>
+          </p:nvPr>
+        </p:nvSpPr>
+        <p:spPr/>
+        <p:txBody>
+          <a:bodyPr/>
+          <a:lstStyle/>
+          <a:p>
+            <a:pPr lvl="0" indent="0" marL="0">
+              <a:buNone/>
+            </a:pPr>
+            <a:r>
+              <a:rPr/>
               <a:t>Observations vs Individual Predictions</a:t>
             </a:r>
           </a:p>
@@ -3876,7 +4091,7 @@
 </p:sld>
 </file>
 
-<file path=ppt/slides/slide5.xml><?xml version="1.0" encoding="utf-8"?>
+<file path=ppt/slides/slide6.xml><?xml version="1.0" encoding="utf-8"?>
 <p:sld xmlns:a="http://schemas.openxmlformats.org/drawingml/2006/main" xmlns:r="http://schemas.openxmlformats.org/officeDocument/2006/relationships" xmlns:p="http://schemas.openxmlformats.org/presentationml/2006/main">
   <p:cSld>
     <p:spTree>
@@ -3983,7 +4198,7 @@
 </p:sld>
 </file>
 
-<file path=ppt/slides/slide6.xml><?xml version="1.0" encoding="utf-8"?>
+<file path=ppt/slides/slide7.xml><?xml version="1.0" encoding="utf-8"?>
 <p:sld xmlns:a="http://schemas.openxmlformats.org/drawingml/2006/main" xmlns:r="http://schemas.openxmlformats.org/officeDocument/2006/relationships" xmlns:p="http://schemas.openxmlformats.org/presentationml/2006/main">
   <p:cSld>
     <p:spTree>
@@ -4090,7 +4305,7 @@
 </p:sld>
 </file>
 
-<file path=ppt/slides/slide7.xml><?xml version="1.0" encoding="utf-8"?>
+<file path=ppt/slides/slide8.xml><?xml version="1.0" encoding="utf-8"?>
 <p:sld xmlns:a="http://schemas.openxmlformats.org/drawingml/2006/main" xmlns:r="http://schemas.openxmlformats.org/officeDocument/2006/relationships" xmlns:p="http://schemas.openxmlformats.org/presentationml/2006/main">
   <p:cSld>
     <p:spTree>
@@ -4197,7 +4412,7 @@
 </p:sld>
 </file>
 
-<file path=ppt/slides/slide8.xml><?xml version="1.0" encoding="utf-8"?>
+<file path=ppt/slides/slide9.xml><?xml version="1.0" encoding="utf-8"?>
 <p:sld xmlns:a="http://schemas.openxmlformats.org/drawingml/2006/main" xmlns:r="http://schemas.openxmlformats.org/officeDocument/2006/relationships" xmlns:p="http://schemas.openxmlformats.org/presentationml/2006/main">
   <p:cSld>
     <p:spTree>
@@ -4295,113 +4510,6 @@
             <a:r>
               <a:rPr/>
               <a:t>x %&gt;% isopair(DV, IPRED, DV, IPRED, trans = c(‘identity’,‘log10’))</a:t>
-            </a:r>
-          </a:p>
-        </p:txBody>
-      </p:sp>
-    </p:spTree>
-  </p:cSld>
-</p:sld>
-</file>
-
-<file path=ppt/slides/slide9.xml><?xml version="1.0" encoding="utf-8"?>
-<p:sld xmlns:a="http://schemas.openxmlformats.org/drawingml/2006/main" xmlns:r="http://schemas.openxmlformats.org/officeDocument/2006/relationships" xmlns:p="http://schemas.openxmlformats.org/presentationml/2006/main">
-  <p:cSld>
-    <p:spTree>
-      <p:nvGrpSpPr>
-        <p:cNvPr id="1" name=""/>
-        <p:cNvGrpSpPr/>
-        <p:nvPr/>
-      </p:nvGrpSpPr>
-      <p:grpSpPr>
-        <a:xfrm>
-          <a:off x="0" y="0"/>
-          <a:ext cx="0" cy="0"/>
-          <a:chOff x="0" y="0"/>
-          <a:chExt cx="0" cy="0"/>
-        </a:xfrm>
-      </p:grpSpPr>
-      <p:sp>
-        <p:nvSpPr>
-          <p:cNvPr id="2" name="Title 1"/>
-          <p:cNvSpPr>
-            <a:spLocks noGrp="1"/>
-          </p:cNvSpPr>
-          <p:nvPr>
-            <p:ph type="title"/>
-          </p:nvPr>
-        </p:nvSpPr>
-        <p:spPr/>
-        <p:txBody>
-          <a:bodyPr/>
-          <a:lstStyle/>
-          <a:p>
-            <a:pPr lvl="0" indent="0" marL="0">
-              <a:buNone/>
-            </a:pPr>
-            <a:r>
-              <a:rPr/>
-              <a:t>Individual Weighted Residuals vs Time</a:t>
-            </a:r>
-          </a:p>
-        </p:txBody>
-      </p:sp>
-      <p:pic>
-        <p:nvPicPr>
-          <p:cNvPr descr="fig:  diagnostics_files/figure-pptx/IWRES-TIME-1.png" id="0" name="Picture 1"/>
-          <p:cNvPicPr>
-            <a:picLocks noGrp="1" noChangeAspect="1"/>
-          </p:cNvPicPr>
-          <p:nvPr/>
-        </p:nvPicPr>
-        <p:blipFill>
-          <a:blip r:embed="rId2"/>
-          <a:stretch>
-            <a:fillRect/>
-          </a:stretch>
-        </p:blipFill>
-        <p:spPr bwMode="auto">
-          <a:xfrm>
-            <a:off x="4013200" y="1600200"/>
-            <a:ext cx="4165600" cy="4013200"/>
-          </a:xfrm>
-          <a:prstGeom prst="rect">
-            <a:avLst/>
-          </a:prstGeom>
-          <a:noFill/>
-          <a:ln w="9525">
-            <a:noFill/>
-            <a:headEnd/>
-            <a:tailEnd/>
-          </a:ln>
-        </p:spPr>
-      </p:pic>
-      <p:sp>
-        <p:nvSpPr>
-          <p:cNvPr id="1" name="TextBox 3"/>
-          <p:cNvSpPr txBox="1"/>
-          <p:nvPr/>
-        </p:nvSpPr>
-        <p:spPr>
-          <a:xfrm>
-            <a:off x="609600" y="5613400"/>
-            <a:ext cx="10972800" cy="508000"/>
-          </a:xfrm>
-          <a:prstGeom prst="rect">
-            <a:avLst/>
-          </a:prstGeom>
-          <a:noFill/>
-        </p:spPr>
-        <p:txBody>
-          <a:bodyPr/>
-          <a:lstStyle/>
-          <a:p>
-            <a:pPr lvl="0" indent="0" marL="0" algn="ctr">
-              <a:buNone/>
-            </a:pPr>
-            <a:r>
-              <a:rPr/>
-              <a:t>x %&gt;% trendplot(IWRES, TIME) + symmetric()</a:t>
             </a:r>
           </a:p>
         </p:txBody>

--- a/inst/extdata/modeling/diagnostics.pptx
+++ b/inst/extdata/modeling/diagnostics.pptx
@@ -3186,7 +3186,7 @@
             </a:pPr>
             <a:r>
               <a:rPr/>
-              <a:t>26 August, 2022</a:t>
+              <a:t>27 August, 2022</a:t>
             </a:r>
           </a:p>
         </p:txBody>
@@ -3233,14 +3233,14 @@
             </a:pPr>
             <a:r>
               <a:rPr/>
-              <a:t>Individual Weighted Residuals vs Time</a:t>
+              <a:t>Conditional Weighted Residuals vs Time</a:t>
             </a:r>
           </a:p>
         </p:txBody>
       </p:sp>
       <p:pic>
         <p:nvPicPr>
-          <p:cNvPr descr="fig:  diagnostics_files/figure-pptx/IWRES-TIME-1.png" id="0" name="Picture 1"/>
+          <p:cNvPr descr="fig:  diagnostics_files/figure-pptx/CWRES-TIME-1.png" id="0" name="Picture 1"/>
           <p:cNvPicPr>
             <a:picLocks noGrp="1" noChangeAspect="1"/>
           </p:cNvPicPr>
@@ -3293,7 +3293,7 @@
             </a:pPr>
             <a:r>
               <a:rPr/>
-              <a:t>x %&gt;% trendplot(IWRES, TIME) + symmetric()</a:t>
+              <a:t>x %&gt;% trendplot(CWRES, TIME) + symmetric()</a:t>
             </a:r>
           </a:p>
         </p:txBody>
@@ -3340,14 +3340,14 @@
             </a:pPr>
             <a:r>
               <a:rPr/>
-              <a:t>Individual Weighted Residuals vs Time, Untransformed and Log-log</a:t>
+              <a:t>Conditional Weighted Residuals vs Time, Untransformed and Log-log</a:t>
             </a:r>
           </a:p>
         </p:txBody>
       </p:sp>
       <p:pic>
         <p:nvPicPr>
-          <p:cNvPr descr="fig:  diagnostics_files/figure-pptx/IWRES-TIME-IWRES-TIME-untrans-log-1.png" id="0" name="Picture 1"/>
+          <p:cNvPr descr="fig:  diagnostics_files/figure-pptx/CWRES-TIME-CWRES-TIME-untrans-log-1.png" id="0" name="Picture 1"/>
           <p:cNvPicPr>
             <a:picLocks noGrp="1" noChangeAspect="1"/>
           </p:cNvPicPr>
@@ -3400,7 +3400,7 @@
             </a:pPr>
             <a:r>
               <a:rPr/>
-              <a:t>x %&gt;% trendpair(IWRES, TIME, IWRES, TIME, trans2 = c(‘identity’, ‘log10’), symmetric = TRUE)</a:t>
+              <a:t>x %&gt;% trendpair(CWRES, TIME, CWRES, TIME, trans2 = c(‘identity’, ‘log10’), symmetric = TRUE)</a:t>
             </a:r>
           </a:p>
         </p:txBody>
@@ -3447,14 +3447,14 @@
             </a:pPr>
             <a:r>
               <a:rPr/>
-              <a:t>Individual Weighted Residuals vs Time, Full Grid vs Horizontal Grid</a:t>
+              <a:t>Conditional Weighted Residuals vs Time, Full Grid vs Horizontal Grid</a:t>
             </a:r>
           </a:p>
         </p:txBody>
       </p:sp>
       <p:pic>
         <p:nvPicPr>
-          <p:cNvPr descr="diagnostics_files/figure-pptx/IWRES-TIME-IWRES-TIME-horizonal-grid-1.png" id="0" name="Picture 1"/>
+          <p:cNvPr descr="diagnostics_files/figure-pptx/CWRES-TIME-CWRES-TIME-horizonal-grid-1.png" id="0" name="Picture 1"/>
           <p:cNvPicPr>
             <a:picLocks noGrp="1" noChangeAspect="1"/>
           </p:cNvPicPr>
@@ -3524,14 +3524,14 @@
             </a:pPr>
             <a:r>
               <a:rPr/>
-              <a:t>Individual Weighted Residuals vs Time, Various Horizontal Reference Lines</a:t>
+              <a:t>Conditional Weighted Residuals vs Time, Various Horizontal Reference Lines</a:t>
             </a:r>
           </a:p>
         </p:txBody>
       </p:sp>
       <p:pic>
         <p:nvPicPr>
-          <p:cNvPr descr="diagnostics_files/figure-pptx/IWRES-TIME-IWRES-TIME-reference-lines-1.png" id="0" name="Picture 1"/>
+          <p:cNvPr descr="diagnostics_files/figure-pptx/CWRES-TIME-CWRES-TIME-reference-lines-1.png" id="0" name="Picture 1"/>
           <p:cNvPicPr>
             <a:picLocks noGrp="1" noChangeAspect="1"/>
           </p:cNvPicPr>

--- a/inst/extdata/modeling/diagnostics.pptx
+++ b/inst/extdata/modeling/diagnostics.pptx
@@ -20,6 +20,7 @@
     <p:sldId id="268" r:id="rId14"/>
     <p:sldId id="269" r:id="rId15"/>
     <p:sldId id="270" r:id="rId16"/>
+    <p:sldId id="271" r:id="rId17"/>
   </p:sldIdLst>
   <p:sldSz cx="12192000" cy="6858000"/>
   <p:notesSz cx="6858000" cy="9144000"/>
@@ -3186,7 +3187,7 @@
             </a:pPr>
             <a:r>
               <a:rPr/>
-              <a:t>27 August, 2022</a:t>
+              <a:t>31 August, 2022</a:t>
             </a:r>
           </a:p>
         </p:txBody>
@@ -3686,6 +3687,83 @@
       <p:pic>
         <p:nvPicPr>
           <p:cNvPr descr="diagnostics_files/figure-pptx/individuals-detail-1.png" id="0" name="Picture 1"/>
+          <p:cNvPicPr>
+            <a:picLocks noGrp="1" noChangeAspect="1"/>
+          </p:cNvPicPr>
+          <p:nvPr/>
+        </p:nvPicPr>
+        <p:blipFill>
+          <a:blip r:embed="rId2"/>
+          <a:stretch>
+            <a:fillRect/>
+          </a:stretch>
+        </p:blipFill>
+        <p:spPr bwMode="auto">
+          <a:xfrm>
+            <a:off x="2501900" y="1600200"/>
+            <a:ext cx="7175500" cy="4521200"/>
+          </a:xfrm>
+          <a:prstGeom prst="rect">
+            <a:avLst/>
+          </a:prstGeom>
+          <a:noFill/>
+          <a:ln w="9525">
+            <a:noFill/>
+            <a:headEnd/>
+            <a:tailEnd/>
+          </a:ln>
+        </p:spPr>
+      </p:pic>
+    </p:spTree>
+  </p:cSld>
+</p:sld>
+</file>
+
+<file path=ppt/slides/slide16.xml><?xml version="1.0" encoding="utf-8"?>
+<p:sld xmlns:a="http://schemas.openxmlformats.org/drawingml/2006/main" xmlns:r="http://schemas.openxmlformats.org/officeDocument/2006/relationships" xmlns:p="http://schemas.openxmlformats.org/presentationml/2006/main">
+  <p:cSld>
+    <p:spTree>
+      <p:nvGrpSpPr>
+        <p:cNvPr id="1" name=""/>
+        <p:cNvGrpSpPr/>
+        <p:nvPr/>
+      </p:nvGrpSpPr>
+      <p:grpSpPr>
+        <a:xfrm>
+          <a:off x="0" y="0"/>
+          <a:ext cx="0" cy="0"/>
+          <a:chOff x="0" y="0"/>
+          <a:chExt cx="0" cy="0"/>
+        </a:xfrm>
+      </p:grpSpPr>
+      <p:sp>
+        <p:nvSpPr>
+          <p:cNvPr id="2" name="Title 1"/>
+          <p:cNvSpPr>
+            <a:spLocks noGrp="1"/>
+          </p:cNvSpPr>
+          <p:nvPr>
+            <p:ph type="title"/>
+          </p:nvPr>
+        </p:nvSpPr>
+        <p:spPr/>
+        <p:txBody>
+          <a:bodyPr/>
+          <a:lstStyle/>
+          <a:p>
+            <a:pPr lvl="0" indent="0" marL="0">
+              <a:buNone/>
+            </a:pPr>
+            <a:r>
+              <a:rPr/>
+              <a:t>Individual Plots – Single Panel Strip</a:t>
+            </a:r>
+          </a:p>
+        </p:txBody>
+      </p:sp>
+      <p:pic>
+        <p:nvPicPr>
+          <p:cNvPr descr="diagnostics_files/figure-pptx/individuals-detail-single-1.png" id="0" name="Picture 1"/>
           <p:cNvPicPr>
             <a:picLocks noGrp="1" noChangeAspect="1"/>
           </p:cNvPicPr>

--- a/inst/extdata/modeling/diagnostics.pptx
+++ b/inst/extdata/modeling/diagnostics.pptx
@@ -21,6 +21,7 @@
     <p:sldId id="269" r:id="rId15"/>
     <p:sldId id="270" r:id="rId16"/>
     <p:sldId id="271" r:id="rId17"/>
+    <p:sldId id="272" r:id="rId18"/>
   </p:sldIdLst>
   <p:sldSz cx="12192000" cy="6858000"/>
   <p:notesSz cx="6858000" cy="9144000"/>
@@ -3187,7 +3188,7 @@
             </a:pPr>
             <a:r>
               <a:rPr/>
-              <a:t>31 August, 2022</a:t>
+              <a:t>06 September, 2022</a:t>
             </a:r>
           </a:p>
         </p:txBody>
@@ -3756,14 +3757,14 @@
             </a:pPr>
             <a:r>
               <a:rPr/>
-              <a:t>Individual Plots – Single Panel Strip</a:t>
+              <a:t>Individual Plots – Unscaled Panel Strip</a:t>
             </a:r>
           </a:p>
         </p:txBody>
       </p:sp>
       <p:pic>
         <p:nvPicPr>
-          <p:cNvPr descr="diagnostics_files/figure-pptx/individuals-detail-single-1.png" id="0" name="Picture 1"/>
+          <p:cNvPr descr="diagnostics_files/figure-pptx/individuals-detail-unscaled-1.png" id="0" name="Picture 1"/>
           <p:cNvPicPr>
             <a:picLocks noGrp="1" noChangeAspect="1"/>
           </p:cNvPicPr>
@@ -3777,8 +3778,8 @@
         </p:blipFill>
         <p:spPr bwMode="auto">
           <a:xfrm>
-            <a:off x="2501900" y="1600200"/>
-            <a:ext cx="7175500" cy="4521200"/>
+            <a:off x="2006600" y="1600200"/>
+            <a:ext cx="8191500" cy="4521200"/>
           </a:xfrm>
           <a:prstGeom prst="rect">
             <a:avLst/>
@@ -3791,6 +3792,113 @@
           </a:ln>
         </p:spPr>
       </p:pic>
+    </p:spTree>
+  </p:cSld>
+</p:sld>
+</file>
+
+<file path=ppt/slides/slide17.xml><?xml version="1.0" encoding="utf-8"?>
+<p:sld xmlns:a="http://schemas.openxmlformats.org/drawingml/2006/main" xmlns:r="http://schemas.openxmlformats.org/officeDocument/2006/relationships" xmlns:p="http://schemas.openxmlformats.org/presentationml/2006/main">
+  <p:cSld>
+    <p:spTree>
+      <p:nvGrpSpPr>
+        <p:cNvPr id="1" name=""/>
+        <p:cNvGrpSpPr/>
+        <p:nvPr/>
+      </p:nvGrpSpPr>
+      <p:grpSpPr>
+        <a:xfrm>
+          <a:off x="0" y="0"/>
+          <a:ext cx="0" cy="0"/>
+          <a:chOff x="0" y="0"/>
+          <a:chExt cx="0" cy="0"/>
+        </a:xfrm>
+      </p:grpSpPr>
+      <p:sp>
+        <p:nvSpPr>
+          <p:cNvPr id="2" name="Title 1"/>
+          <p:cNvSpPr>
+            <a:spLocks noGrp="1"/>
+          </p:cNvSpPr>
+          <p:nvPr>
+            <p:ph type="title"/>
+          </p:nvPr>
+        </p:nvSpPr>
+        <p:spPr/>
+        <p:txBody>
+          <a:bodyPr/>
+          <a:lstStyle/>
+          <a:p>
+            <a:pPr lvl="0" indent="0" marL="0">
+              <a:buNone/>
+            </a:pPr>
+            <a:r>
+              <a:rPr/>
+              <a:t>Individual Plots – Scaled Panel Strip</a:t>
+            </a:r>
+          </a:p>
+        </p:txBody>
+      </p:sp>
+      <p:pic>
+        <p:nvPicPr>
+          <p:cNvPr descr="fig:  diagnostics_files/figure-pptx/individuals-detail-scaled-1.png" id="0" name="Picture 1"/>
+          <p:cNvPicPr>
+            <a:picLocks noGrp="1" noChangeAspect="1"/>
+          </p:cNvPicPr>
+          <p:nvPr/>
+        </p:nvPicPr>
+        <p:blipFill>
+          <a:blip r:embed="rId2"/>
+          <a:stretch>
+            <a:fillRect/>
+          </a:stretch>
+        </p:blipFill>
+        <p:spPr bwMode="auto">
+          <a:xfrm>
+            <a:off x="1955800" y="1600200"/>
+            <a:ext cx="8280400" cy="4013200"/>
+          </a:xfrm>
+          <a:prstGeom prst="rect">
+            <a:avLst/>
+          </a:prstGeom>
+          <a:noFill/>
+          <a:ln w="9525">
+            <a:noFill/>
+            <a:headEnd/>
+            <a:tailEnd/>
+          </a:ln>
+        </p:spPr>
+      </p:pic>
+      <p:sp>
+        <p:nvSpPr>
+          <p:cNvPr id="1" name="TextBox 3"/>
+          <p:cNvSpPr txBox="1"/>
+          <p:nvPr/>
+        </p:nvSpPr>
+        <p:spPr>
+          <a:xfrm>
+            <a:off x="609600" y="5613400"/>
+            <a:ext cx="10972800" cy="508000"/>
+          </a:xfrm>
+          <a:prstGeom prst="rect">
+            <a:avLst/>
+          </a:prstGeom>
+          <a:noFill/>
+        </p:spPr>
+        <p:txBody>
+          <a:bodyPr/>
+          <a:lstStyle/>
+          <a:p>
+            <a:pPr lvl="0" indent="0" marL="0" algn="ctr">
+              <a:buNone/>
+            </a:pPr>
+            <a:r>
+              <a:rPr/>
+              <a:t>p + scale_striptext()</a:t>
+            </a:r>
+          </a:p>
+        </p:txBody>
+      </p:sp>
     </p:spTree>
   </p:cSld>
 </p:sld>
